--- a/令狐冠杰 成果展示报告.pptx
+++ b/令狐冠杰 成果展示报告.pptx
@@ -278,7 +278,7 @@
           <a:p>
             <a:fld id="{EAE6B7F0-8A84-154E-B57D-9B9D28EE5049}" type="datetimeFigureOut">
               <a:rPr lang="en-US" smtClean="0"/>
-              <a:t>4/4/22</a:t>
+              <a:t>4/5/22</a:t>
             </a:fld>
             <a:endParaRPr lang="en-US"/>
           </a:p>
@@ -476,7 +476,7 @@
           <a:p>
             <a:fld id="{EAE6B7F0-8A84-154E-B57D-9B9D28EE5049}" type="datetimeFigureOut">
               <a:rPr lang="en-US" smtClean="0"/>
-              <a:t>4/4/22</a:t>
+              <a:t>4/5/22</a:t>
             </a:fld>
             <a:endParaRPr lang="en-US"/>
           </a:p>
@@ -684,7 +684,7 @@
           <a:p>
             <a:fld id="{EAE6B7F0-8A84-154E-B57D-9B9D28EE5049}" type="datetimeFigureOut">
               <a:rPr lang="en-US" smtClean="0"/>
-              <a:t>4/4/22</a:t>
+              <a:t>4/5/22</a:t>
             </a:fld>
             <a:endParaRPr lang="en-US"/>
           </a:p>
@@ -882,7 +882,7 @@
           <a:p>
             <a:fld id="{EAE6B7F0-8A84-154E-B57D-9B9D28EE5049}" type="datetimeFigureOut">
               <a:rPr lang="en-US" smtClean="0"/>
-              <a:t>4/4/22</a:t>
+              <a:t>4/5/22</a:t>
             </a:fld>
             <a:endParaRPr lang="en-US"/>
           </a:p>
@@ -1157,7 +1157,7 @@
           <a:p>
             <a:fld id="{EAE6B7F0-8A84-154E-B57D-9B9D28EE5049}" type="datetimeFigureOut">
               <a:rPr lang="en-US" smtClean="0"/>
-              <a:t>4/4/22</a:t>
+              <a:t>4/5/22</a:t>
             </a:fld>
             <a:endParaRPr lang="en-US"/>
           </a:p>
@@ -1422,7 +1422,7 @@
           <a:p>
             <a:fld id="{EAE6B7F0-8A84-154E-B57D-9B9D28EE5049}" type="datetimeFigureOut">
               <a:rPr lang="en-US" smtClean="0"/>
-              <a:t>4/4/22</a:t>
+              <a:t>4/5/22</a:t>
             </a:fld>
             <a:endParaRPr lang="en-US"/>
           </a:p>
@@ -1834,7 +1834,7 @@
           <a:p>
             <a:fld id="{EAE6B7F0-8A84-154E-B57D-9B9D28EE5049}" type="datetimeFigureOut">
               <a:rPr lang="en-US" smtClean="0"/>
-              <a:t>4/4/22</a:t>
+              <a:t>4/5/22</a:t>
             </a:fld>
             <a:endParaRPr lang="en-US"/>
           </a:p>
@@ -1975,7 +1975,7 @@
           <a:p>
             <a:fld id="{EAE6B7F0-8A84-154E-B57D-9B9D28EE5049}" type="datetimeFigureOut">
               <a:rPr lang="en-US" smtClean="0"/>
-              <a:t>4/4/22</a:t>
+              <a:t>4/5/22</a:t>
             </a:fld>
             <a:endParaRPr lang="en-US"/>
           </a:p>
@@ -2088,7 +2088,7 @@
           <a:p>
             <a:fld id="{EAE6B7F0-8A84-154E-B57D-9B9D28EE5049}" type="datetimeFigureOut">
               <a:rPr lang="en-US" smtClean="0"/>
-              <a:t>4/4/22</a:t>
+              <a:t>4/5/22</a:t>
             </a:fld>
             <a:endParaRPr lang="en-US"/>
           </a:p>
@@ -2399,7 +2399,7 @@
           <a:p>
             <a:fld id="{EAE6B7F0-8A84-154E-B57D-9B9D28EE5049}" type="datetimeFigureOut">
               <a:rPr lang="en-US" smtClean="0"/>
-              <a:t>4/4/22</a:t>
+              <a:t>4/5/22</a:t>
             </a:fld>
             <a:endParaRPr lang="en-US"/>
           </a:p>
@@ -2687,7 +2687,7 @@
           <a:p>
             <a:fld id="{EAE6B7F0-8A84-154E-B57D-9B9D28EE5049}" type="datetimeFigureOut">
               <a:rPr lang="en-US" smtClean="0"/>
-              <a:t>4/4/22</a:t>
+              <a:t>4/5/22</a:t>
             </a:fld>
             <a:endParaRPr lang="en-US"/>
           </a:p>
@@ -2928,7 +2928,7 @@
           <a:p>
             <a:fld id="{EAE6B7F0-8A84-154E-B57D-9B9D28EE5049}" type="datetimeFigureOut">
               <a:rPr lang="en-US" smtClean="0"/>
-              <a:t>4/4/22</a:t>
+              <a:t>4/5/22</a:t>
             </a:fld>
             <a:endParaRPr lang="en-US"/>
           </a:p>
@@ -5215,7 +5215,7 @@
             </a:r>
             <a:r>
               <a:rPr lang="zh-CN" altLang="en-US" sz="2000" dirty="0"/>
-              <a:t>全部归为</a:t>
+              <a:t>全部记录为</a:t>
             </a:r>
             <a:r>
               <a:rPr lang="en-US" altLang="zh-CN" sz="2000" dirty="0"/>
@@ -5276,7 +5276,7 @@
             </a:r>
             <a:r>
               <a:rPr lang="zh-CN" altLang="en-US" sz="2000" dirty="0"/>
-              <a:t>点之后是交易发生的下一个交易日。</a:t>
+              <a:t>点之后是下一个交易日。</a:t>
             </a:r>
             <a:r>
               <a:rPr lang="en-US" altLang="zh-CN" sz="2000" dirty="0" err="1"/>
@@ -6072,7 +6072,7 @@
               <a:rPr lang="en-US" altLang="zh-CN" sz="2800" dirty="0">
                 <a:latin typeface="+mn-lt"/>
               </a:rPr>
-              <a:t>SHFE</a:t>
+              <a:t>INE</a:t>
             </a:r>
             <a:r>
               <a:rPr lang="zh-CN" altLang="en-US" sz="2800" dirty="0">
@@ -6277,7 +6277,7 @@
             </a:r>
             <a:r>
               <a:rPr lang="zh-CN" altLang="en-US" sz="2000" dirty="0"/>
-              <a:t>全部归为</a:t>
+              <a:t>全部记录为</a:t>
             </a:r>
             <a:r>
               <a:rPr lang="en-US" altLang="zh-CN" sz="2000" dirty="0"/>
@@ -6338,7 +6338,7 @@
             </a:r>
             <a:r>
               <a:rPr lang="zh-CN" altLang="en-US" sz="2000" dirty="0"/>
-              <a:t>点之后是交易发生的下一个交易日。</a:t>
+              <a:t>点之后是下一个交易日。</a:t>
             </a:r>
             <a:r>
               <a:rPr lang="en-US" altLang="zh-CN" sz="2000" dirty="0" err="1"/>
